--- a/music moves/Tomatoes (TOM)/ger/apprentice/ger_TOM_14_Ich_bin_in_einer_Tomate_MM_A.pptx
+++ b/music moves/Tomatoes (TOM)/ger/apprentice/ger_TOM_14_Ich_bin_in_einer_Tomate_MM_A.pptx
@@ -716,7 +716,7 @@
           <a:p>
             <a:fld id="{FF5B2BAF-DF38-0A48-A798-0C06E514FD52}" type="datetimeFigureOut">
               <a:rPr lang="de-DE" smtClean="0"/>
-              <a:t>12.08.15</a:t>
+              <a:t>14.08.15</a:t>
             </a:fld>
             <a:endParaRPr lang="de-DE" dirty="0"/>
           </a:p>
@@ -931,7 +931,7 @@
           <a:p>
             <a:fld id="{FF5B2BAF-DF38-0A48-A798-0C06E514FD52}" type="datetimeFigureOut">
               <a:rPr lang="de-DE" smtClean="0"/>
-              <a:t>12.08.15</a:t>
+              <a:t>14.08.15</a:t>
             </a:fld>
             <a:endParaRPr lang="de-DE" dirty="0"/>
           </a:p>
@@ -1677,15 +1677,15 @@
             <a:pPr marL="641756" lvl="2" indent="-263525"/>
             <a:r>
               <a:rPr lang="de-DE" sz="1100" dirty="0"/>
-              <a:t>Arbeitskollegen und </a:t>
-            </a:r>
-            <a:r>
-              <a:rPr lang="de-DE" sz="1100" dirty="0" err="1" smtClean="0"/>
-              <a:t>Mitbewohnenr</a:t>
-            </a:r>
-            <a:r>
-              <a:rPr lang="de-DE" sz="1100" dirty="0" smtClean="0"/>
-              <a:t> </a:t>
+              <a:t>Arbeitskollegen </a:t>
+            </a:r>
+            <a:r>
+              <a:rPr lang="de-DE" sz="1100"/>
+              <a:t>und </a:t>
+            </a:r>
+            <a:r>
+              <a:rPr lang="de-DE" sz="1100" smtClean="0"/>
+              <a:t>Mitbewohner </a:t>
             </a:r>
             <a:r>
               <a:rPr lang="de-DE" sz="1100" dirty="0"/>

--- a/music moves/Tomatoes (TOM)/ger/apprentice/ger_TOM_14_Ich_bin_in_einer_Tomate_MM_A.pptx
+++ b/music moves/Tomatoes (TOM)/ger/apprentice/ger_TOM_14_Ich_bin_in_einer_Tomate_MM_A.pptx
@@ -1613,127 +1613,269 @@
         <p:spPr/>
         <p:txBody>
           <a:bodyPr>
-            <a:normAutofit fontScale="92500" lnSpcReduction="10000"/>
+            <a:normAutofit lnSpcReduction="10000"/>
           </a:bodyPr>
           <a:lstStyle/>
           <a:p>
             <a:r>
-              <a:rPr lang="de-DE" sz="1100" dirty="0"/>
-              <a:t>Du kannst die Tomate zu einem Schutzraum für Deine Konzentration machen. Dazu braucht es Training, wie Du mit Störern und </a:t>
-            </a:r>
-            <a:r>
-              <a:rPr lang="de-DE" sz="1100" dirty="0" err="1"/>
+              <a:rPr lang="de-DE" dirty="0"/>
+              <a:t>Du kannst die </a:t>
+            </a:r>
+            <a:r>
+              <a:rPr lang="de-DE" dirty="0" smtClean="0"/>
+              <a:t>Tomate</a:t>
+            </a:r>
+            <a:r>
+              <a:rPr lang="de-DE" baseline="30000" dirty="0"/>
+              <a:t>1</a:t>
+            </a:r>
+            <a:r>
+              <a:rPr lang="de-DE" dirty="0" smtClean="0"/>
+              <a:t> </a:t>
+            </a:r>
+            <a:r>
+              <a:rPr lang="de-DE" dirty="0"/>
+              <a:t>zu einem Schutzraum für Deine Konzentration machen. Dazu braucht es Training, wie Du mit Störern und </a:t>
+            </a:r>
+            <a:r>
+              <a:rPr lang="de-DE" dirty="0" err="1"/>
               <a:t>Ablenkern</a:t>
             </a:r>
             <a:r>
-              <a:rPr lang="de-DE" sz="1100" dirty="0"/>
+              <a:rPr lang="de-DE" dirty="0"/>
               <a:t> umgehen kannst. </a:t>
             </a:r>
           </a:p>
           <a:p>
             <a:r>
-              <a:rPr lang="de-DE" sz="1100" dirty="0"/>
-              <a:t>Störer sind Unterbrechungen von außen, z.B. Telefon, Klingel, </a:t>
-            </a:r>
-            <a:r>
-              <a:rPr lang="de-DE" sz="1100" dirty="0" smtClean="0"/>
-              <a:t>Mitbewohner, </a:t>
-            </a:r>
-            <a:r>
-              <a:rPr lang="de-DE" sz="1100" dirty="0"/>
-              <a:t>Arbeitskollegen, etc. </a:t>
-            </a:r>
-          </a:p>
-          <a:p>
-            <a:r>
-              <a:rPr lang="de-DE" sz="1100" dirty="0" err="1"/>
+              <a:rPr lang="de-DE" dirty="0"/>
+              <a:t>Störer sind Unterbrechungen von außen, z.B. Telefon, Klingel, Mitbewohner, Arbeitskollegen, etc. </a:t>
+            </a:r>
+          </a:p>
+          <a:p>
+            <a:r>
+              <a:rPr lang="de-DE" dirty="0" err="1"/>
               <a:t>Ablenker</a:t>
             </a:r>
             <a:r>
-              <a:rPr lang="de-DE" sz="1100" dirty="0"/>
-              <a:t> sind Impulse oder Gedanken, die aus Dir heraus entstehen und das Ziel der Tomate nicht unmittelbar verfolgen. </a:t>
-            </a:r>
-          </a:p>
-          <a:p>
-            <a:r>
-              <a:rPr lang="de-DE" sz="1100" dirty="0"/>
+              <a:rPr lang="de-DE" dirty="0"/>
+              <a:t> sind Impulse oder Gedanken, die aus Dir heraus entstehen, und das Ziel der Tomate nicht unmittelbar verfolgen. </a:t>
+            </a:r>
+          </a:p>
+          <a:p>
+            <a:r>
+              <a:rPr lang="de-DE" dirty="0"/>
               <a:t>Beide Ereignisse unterbrechen Deine Konzentration. Im einen Fall brauche ich einen passenden Umgang mit meinem Umfeld und im anderen Fall Training, um bei der Sache bleiben zu können.  </a:t>
             </a:r>
           </a:p>
           <a:p>
             <a:r>
-              <a:rPr lang="de-DE" sz="1100" dirty="0"/>
+              <a:rPr lang="de-DE" dirty="0"/>
               <a:t>Mögliche Lösungen für Störer: </a:t>
             </a:r>
           </a:p>
           <a:p>
-            <a:pPr marL="641756" lvl="2" indent="-263525"/>
-            <a:r>
-              <a:rPr lang="de-DE" sz="1100" dirty="0"/>
-              <a:t>Telefon während einer Tomate ausschalten oder ignorieren, um in der Tomatenpause zurückzurufen.</a:t>
-            </a:r>
-          </a:p>
-          <a:p>
-            <a:pPr marL="641756" lvl="2" indent="-263525"/>
-            <a:r>
-              <a:rPr lang="de-DE" sz="1100" dirty="0"/>
-              <a:t>Arbeitskollegen </a:t>
-            </a:r>
-            <a:r>
-              <a:rPr lang="de-DE" sz="1100"/>
-              <a:t>und </a:t>
-            </a:r>
-            <a:r>
-              <a:rPr lang="de-DE" sz="1100" smtClean="0"/>
-              <a:t>Mitbewohner </a:t>
-            </a:r>
-            <a:r>
-              <a:rPr lang="de-DE" sz="1100" dirty="0"/>
-              <a:t>die Tomatentechnik erklären. Evtl. ein Schild auf den Schreibtisch stellen oder an die Tür hängen, dass man nicht gestört werden möchte. </a:t>
-            </a:r>
-          </a:p>
-          <a:p>
-            <a:pPr marL="641756" lvl="2" indent="-263525"/>
-            <a:r>
-              <a:rPr lang="de-DE" sz="1100" dirty="0"/>
+            <a:r>
+              <a:rPr lang="de-DE" dirty="0"/>
+              <a:t>Telefon während einer Tomate ausschalten oder ignorieren, um nach der Tomate zurückzurufen.</a:t>
+            </a:r>
+          </a:p>
+          <a:p>
+            <a:r>
+              <a:rPr lang="de-DE" dirty="0"/>
+              <a:t>Arbeitskollegen und Mitbewohner die Tomatentechnik erklären. Evtl. ein Schild auf den Schreibtisch stellen oder an die Tür hängen, dass man nicht gestört werden möchte. </a:t>
+            </a:r>
+          </a:p>
+          <a:p>
+            <a:r>
+              <a:rPr lang="de-DE" dirty="0"/>
               <a:t>In Ausnahmefällen kann man die Tomate stoppen. Überlege aber genau, was ein echter Ausnahmefall ist. Sobald das Notwendigste geregelt ist, lässt man den </a:t>
             </a:r>
             <a:r>
-              <a:rPr lang="de-DE" sz="1100" dirty="0" err="1"/>
+              <a:rPr lang="de-DE" dirty="0" err="1"/>
               <a:t>Timer</a:t>
             </a:r>
             <a:r>
-              <a:rPr lang="de-DE" sz="1100" dirty="0"/>
-              <a:t> weiterlaufen. Die Tomate sollte höchstens kurz unterbrochen werden, um den Konzentrationsfaden nicht abreißen zu lassen.</a:t>
-            </a:r>
-          </a:p>
-          <a:p>
-            <a:r>
-              <a:rPr lang="de-DE" sz="1100" dirty="0"/>
+              <a:rPr lang="de-DE" dirty="0"/>
+              <a:t> weiterlaufen. Die Tomate sollte möglichst kurz unterbrochen werden, um den Konzentrationsfaden nicht abreißen zu lassen.</a:t>
+            </a:r>
+          </a:p>
+          <a:p>
+            <a:pPr lvl="1"/>
+            <a:r>
+              <a:rPr lang="de-DE" dirty="0"/>
               <a:t>Möglicher Umgang mit Unterbrechungen: </a:t>
             </a:r>
           </a:p>
           <a:p>
-            <a:pPr marL="641756" lvl="2" indent="-263525"/>
-            <a:r>
-              <a:rPr lang="de-DE" sz="1100" dirty="0"/>
+            <a:pPr lvl="2"/>
+            <a:r>
+              <a:rPr lang="de-DE" dirty="0"/>
               <a:t>Tomate wird verworfen und man beginnt nach Unterbrechung immer eine neue Tomate. </a:t>
             </a:r>
           </a:p>
           <a:p>
-            <a:pPr marL="641756" lvl="2" indent="-263525"/>
-            <a:r>
-              <a:rPr lang="de-DE" sz="1100" dirty="0"/>
-              <a:t>Tomate kann eine bis fünf Minuten unterbrochen werden und läuft dann wieder </a:t>
-            </a:r>
-            <a:r>
-              <a:rPr lang="de-DE" sz="1100" dirty="0" smtClean="0"/>
-              <a:t>weiter.</a:t>
-            </a:r>
-            <a:endParaRPr lang="de-DE" sz="1100" dirty="0"/>
-          </a:p>
-          <a:p>
+            <a:pPr lvl="2"/>
+            <a:r>
+              <a:rPr lang="de-DE" dirty="0"/>
+              <a:t>Tomate kann eine bis fünf Minuten unterbrochen werden und läuft dann wieder weiter.</a:t>
+            </a:r>
             <a:endParaRPr lang="de-DE" dirty="0"/>
+          </a:p>
+        </p:txBody>
+      </p:sp>
+      <p:sp>
+        <p:nvSpPr>
+          <p:cNvPr id="5" name="Fußzeilenplatzhalter 19"/>
+          <p:cNvSpPr txBox="1">
+            <a:spLocks/>
+          </p:cNvSpPr>
+          <p:nvPr/>
+        </p:nvSpPr>
+        <p:spPr>
+          <a:xfrm>
+            <a:off x="5086569" y="4776480"/>
+            <a:ext cx="1775894" cy="283817"/>
+          </a:xfrm>
+          <a:prstGeom prst="rect">
+            <a:avLst/>
+          </a:prstGeom>
+        </p:spPr>
+        <p:txBody>
+          <a:bodyPr/>
+          <a:lstStyle>
+            <a:defPPr>
+              <a:defRPr lang="de-DE"/>
+            </a:defPPr>
+            <a:lvl1pPr marL="0" algn="l" defTabSz="403388" rtl="0" eaLnBrk="1" latinLnBrk="0" hangingPunct="1">
+              <a:defRPr sz="1600" kern="1200">
+                <a:solidFill>
+                  <a:schemeClr val="tx1"/>
+                </a:solidFill>
+                <a:latin typeface="+mn-lt"/>
+                <a:ea typeface="+mn-ea"/>
+                <a:cs typeface="+mn-cs"/>
+              </a:defRPr>
+            </a:lvl1pPr>
+            <a:lvl2pPr marL="403388" algn="l" defTabSz="403388" rtl="0" eaLnBrk="1" latinLnBrk="0" hangingPunct="1">
+              <a:defRPr sz="1600" kern="1200">
+                <a:solidFill>
+                  <a:schemeClr val="tx1"/>
+                </a:solidFill>
+                <a:latin typeface="+mn-lt"/>
+                <a:ea typeface="+mn-ea"/>
+                <a:cs typeface="+mn-cs"/>
+              </a:defRPr>
+            </a:lvl2pPr>
+            <a:lvl3pPr marL="806775" algn="l" defTabSz="403388" rtl="0" eaLnBrk="1" latinLnBrk="0" hangingPunct="1">
+              <a:defRPr sz="1600" kern="1200">
+                <a:solidFill>
+                  <a:schemeClr val="tx1"/>
+                </a:solidFill>
+                <a:latin typeface="+mn-lt"/>
+                <a:ea typeface="+mn-ea"/>
+                <a:cs typeface="+mn-cs"/>
+              </a:defRPr>
+            </a:lvl3pPr>
+            <a:lvl4pPr marL="1210163" algn="l" defTabSz="403388" rtl="0" eaLnBrk="1" latinLnBrk="0" hangingPunct="1">
+              <a:defRPr sz="1600" kern="1200">
+                <a:solidFill>
+                  <a:schemeClr val="tx1"/>
+                </a:solidFill>
+                <a:latin typeface="+mn-lt"/>
+                <a:ea typeface="+mn-ea"/>
+                <a:cs typeface="+mn-cs"/>
+              </a:defRPr>
+            </a:lvl4pPr>
+            <a:lvl5pPr marL="1613550" algn="l" defTabSz="403388" rtl="0" eaLnBrk="1" latinLnBrk="0" hangingPunct="1">
+              <a:defRPr sz="1600" kern="1200">
+                <a:solidFill>
+                  <a:schemeClr val="tx1"/>
+                </a:solidFill>
+                <a:latin typeface="+mn-lt"/>
+                <a:ea typeface="+mn-ea"/>
+                <a:cs typeface="+mn-cs"/>
+              </a:defRPr>
+            </a:lvl5pPr>
+            <a:lvl6pPr marL="2016938" algn="l" defTabSz="403388" rtl="0" eaLnBrk="1" latinLnBrk="0" hangingPunct="1">
+              <a:defRPr sz="1600" kern="1200">
+                <a:solidFill>
+                  <a:schemeClr val="tx1"/>
+                </a:solidFill>
+                <a:latin typeface="+mn-lt"/>
+                <a:ea typeface="+mn-ea"/>
+                <a:cs typeface="+mn-cs"/>
+              </a:defRPr>
+            </a:lvl6pPr>
+            <a:lvl7pPr marL="2420325" algn="l" defTabSz="403388" rtl="0" eaLnBrk="1" latinLnBrk="0" hangingPunct="1">
+              <a:defRPr sz="1600" kern="1200">
+                <a:solidFill>
+                  <a:schemeClr val="tx1"/>
+                </a:solidFill>
+                <a:latin typeface="+mn-lt"/>
+                <a:ea typeface="+mn-ea"/>
+                <a:cs typeface="+mn-cs"/>
+              </a:defRPr>
+            </a:lvl7pPr>
+            <a:lvl8pPr marL="2823713" algn="l" defTabSz="403388" rtl="0" eaLnBrk="1" latinLnBrk="0" hangingPunct="1">
+              <a:defRPr sz="1600" kern="1200">
+                <a:solidFill>
+                  <a:schemeClr val="tx1"/>
+                </a:solidFill>
+                <a:latin typeface="+mn-lt"/>
+                <a:ea typeface="+mn-ea"/>
+                <a:cs typeface="+mn-cs"/>
+              </a:defRPr>
+            </a:lvl8pPr>
+            <a:lvl9pPr marL="3227100" algn="l" defTabSz="403388" rtl="0" eaLnBrk="1" latinLnBrk="0" hangingPunct="1">
+              <a:defRPr sz="1600" kern="1200">
+                <a:solidFill>
+                  <a:schemeClr val="tx1"/>
+                </a:solidFill>
+                <a:latin typeface="+mn-lt"/>
+                <a:ea typeface="+mn-ea"/>
+                <a:cs typeface="+mn-cs"/>
+              </a:defRPr>
+            </a:lvl9pPr>
+          </a:lstStyle>
+          <a:p>
+            <a:r>
+              <a:rPr lang="de-DE" sz="900" baseline="30000" dirty="0" smtClean="0">
+                <a:solidFill>
+                  <a:schemeClr val="bg1">
+                    <a:lumMod val="65000"/>
+                  </a:schemeClr>
+                </a:solidFill>
+              </a:rPr>
+              <a:t>1</a:t>
+            </a:r>
+            <a:r>
+              <a:rPr lang="de-DE" sz="900" dirty="0" smtClean="0">
+                <a:solidFill>
+                  <a:schemeClr val="bg1">
+                    <a:lumMod val="65000"/>
+                  </a:schemeClr>
+                </a:solidFill>
+              </a:rPr>
+              <a:t>  </a:t>
+            </a:r>
+            <a:r>
+              <a:rPr lang="de-DE" sz="900" dirty="0" err="1" smtClean="0">
+                <a:solidFill>
+                  <a:schemeClr val="bg1">
+                    <a:lumMod val="65000"/>
+                  </a:schemeClr>
+                </a:solidFill>
+              </a:rPr>
+              <a:t>www.pomodorotechnique.com</a:t>
+            </a:r>
+            <a:endParaRPr lang="de-DE" sz="900" dirty="0">
+              <a:solidFill>
+                <a:schemeClr val="bg1">
+                  <a:lumMod val="65000"/>
+                </a:schemeClr>
+              </a:solidFill>
+            </a:endParaRPr>
           </a:p>
         </p:txBody>
       </p:sp>
@@ -1784,25 +1926,23 @@
           </a:bodyPr>
           <a:lstStyle/>
           <a:p>
-            <a:pPr>
-              <a:lnSpc>
-                <a:spcPct val="120000"/>
-              </a:lnSpc>
-              <a:spcBef>
-                <a:spcPts val="1000"/>
-              </a:spcBef>
-            </a:pPr>
             <a:r>
               <a:rPr lang="de-DE" dirty="0"/>
-              <a:t>Schreibe </a:t>
-            </a:r>
-            <a:r>
-              <a:rPr lang="de-DE" dirty="0" smtClean="0"/>
-              <a:t>zwei Wochen </a:t>
+              <a:t>Schreibe 2 Wochen lang zu jeder Tomate eine Liste mit Deinen Störern und </a:t>
+            </a:r>
+            <a:r>
+              <a:rPr lang="de-DE" dirty="0" err="1"/>
+              <a:t>Ablenkern</a:t>
             </a:r>
             <a:r>
               <a:rPr lang="de-DE" dirty="0"/>
-              <a:t>lang zu jeder Tomate eine Strichliste, wie viele Störer und </a:t>
+              <a:t>. </a:t>
+            </a:r>
+          </a:p>
+          <a:p>
+            <a:r>
+              <a:rPr lang="de-DE" dirty="0"/>
+              <a:t>Notiere zu jedem </a:t>
             </a:r>
             <a:r>
               <a:rPr lang="de-DE" dirty="0" err="1"/>
@@ -1810,26 +1950,13 @@
             </a:r>
             <a:r>
               <a:rPr lang="de-DE" dirty="0"/>
-              <a:t> in jeder Tomate vorhanden waren. </a:t>
-            </a:r>
-            <a:r>
-              <a:rPr lang="de-DE" dirty="0" smtClean="0"/>
-              <a:t>Wiederhole das mindestens 8 Mal.</a:t>
-            </a:r>
-            <a:endParaRPr lang="de-DE" dirty="0"/>
-          </a:p>
-          <a:p>
-            <a:pPr>
-              <a:lnSpc>
-                <a:spcPct val="120000"/>
-              </a:lnSpc>
-              <a:spcBef>
-                <a:spcPts val="1000"/>
-              </a:spcBef>
-            </a:pPr>
+              <a:t> den genauen Gedanken, der Dich ablenkte, und zu jedem Störer, wer und warum.</a:t>
+            </a:r>
+          </a:p>
+          <a:p>
             <a:r>
               <a:rPr lang="de-DE" dirty="0"/>
-              <a:t>Notiere zu jedem </a:t>
+              <a:t>Schau nach der Tomate Deine </a:t>
             </a:r>
             <a:r>
               <a:rPr lang="de-DE" dirty="0" err="1"/>
@@ -1837,84 +1964,28 @@
             </a:r>
             <a:r>
               <a:rPr lang="de-DE" dirty="0"/>
-              <a:t> den Gedanken, der Dich ablenkte.</a:t>
-            </a:r>
-            <a:br>
+              <a:t> nochmals durch und überlege, welche Gedanken Du in einer Folgetomaten noch einmal verfolgen möchtest und welche Du </a:t>
+            </a:r>
+            <a:r>
+              <a:rPr lang="de-DE" dirty="0" smtClean="0"/>
+              <a:t>wegstreichen </a:t>
+            </a:r>
+            <a:r>
               <a:rPr lang="de-DE" dirty="0"/>
-            </a:br>
+              <a:t>möchtest, weil es sich nicht lohnt sie weiterzuverfolgen.  </a:t>
+            </a:r>
+          </a:p>
+          <a:p>
             <a:r>
               <a:rPr lang="de-DE" dirty="0"/>
-              <a:t>Du kannst die Notiz nach der Tomate als Ideenliste für Folgetomaten verwenden und die Gedanken wegstreichen, die sich nicht für eine weitere Tomate eignen.  </a:t>
-            </a:r>
-          </a:p>
-          <a:p>
-            <a:pPr>
-              <a:lnSpc>
-                <a:spcPct val="120000"/>
-              </a:lnSpc>
-              <a:spcBef>
-                <a:spcPts val="1000"/>
-              </a:spcBef>
-            </a:pPr>
+              <a:t>Zähle Deine Störer auf der Liste zusammen und notiere für jeden Störer, welche Lösung Du dafür in der nächsten Tomate finden möchtest.</a:t>
+            </a:r>
+          </a:p>
+          <a:p>
             <a:r>
               <a:rPr lang="de-DE" dirty="0"/>
-              <a:t>Probiere spätestens nach einer Woche verschiedene Strategien aus, wie Du damit umgehen möchtest. Bleibe dabei nicht nur bei einer Möglichkeit, sondern erarbeite Dir so viele wie möglich, um zu sehen, was am </a:t>
-            </a:r>
-            <a:r>
-              <a:rPr lang="de-DE" dirty="0" smtClean="0"/>
-              <a:t>besten </a:t>
-            </a:r>
-            <a:r>
-              <a:rPr lang="de-DE" dirty="0"/>
-              <a:t>für Dich passt.   </a:t>
-            </a:r>
-          </a:p>
-          <a:p>
-            <a:pPr>
-              <a:lnSpc>
-                <a:spcPct val="120000"/>
-              </a:lnSpc>
-              <a:spcBef>
-                <a:spcPts val="1000"/>
-              </a:spcBef>
-            </a:pPr>
-            <a:r>
-              <a:rPr lang="de-DE" dirty="0"/>
-              <a:t>Notiere auch hier zu jeder Tomate, welche Lösungen Du gefunden hast und </a:t>
-            </a:r>
-            <a:r>
-              <a:rPr lang="de-DE" dirty="0" smtClean="0"/>
-              <a:t/>
-            </a:r>
-            <a:br>
-              <a:rPr lang="de-DE" dirty="0" smtClean="0"/>
-            </a:br>
-            <a:r>
-              <a:rPr lang="de-DE" dirty="0" smtClean="0"/>
-              <a:t>bewerte </a:t>
-            </a:r>
-            <a:r>
-              <a:rPr lang="de-DE" dirty="0"/>
-              <a:t>sie für Dich mit eins bis fünf Sternen. </a:t>
-            </a:r>
-            <a:endParaRPr lang="de-DE" dirty="0" smtClean="0"/>
-          </a:p>
-          <a:p>
-            <a:pPr>
-              <a:lnSpc>
-                <a:spcPct val="120000"/>
-              </a:lnSpc>
-              <a:spcBef>
-                <a:spcPts val="1000"/>
-              </a:spcBef>
-            </a:pPr>
-            <a:r>
-              <a:rPr lang="de-DE" dirty="0" smtClean="0"/>
-              <a:t>Zeige Deinem Team Deine Dokumentation.</a:t>
-            </a:r>
-            <a:endParaRPr lang="de-DE" dirty="0"/>
-          </a:p>
-          <a:p>
+              <a:t>Erstelle 8 Listen und zeige sie Deinem Team.</a:t>
+            </a:r>
             <a:endParaRPr lang="de-DE" dirty="0"/>
           </a:p>
         </p:txBody>
